--- a/_Project/_HumanCloud/3_팀_프로젝트_결과보고서.pptx
+++ b/_Project/_HumanCloud/3_팀_프로젝트_결과보고서.pptx
@@ -7,13 +7,14 @@
   <p:sldIdLst>
     <p:sldId id="289" r:id="rId2"/>
     <p:sldId id="291" r:id="rId3"/>
-    <p:sldId id="294" r:id="rId4"/>
-    <p:sldId id="333" r:id="rId5"/>
-    <p:sldId id="295" r:id="rId6"/>
-    <p:sldId id="334" r:id="rId7"/>
-    <p:sldId id="337" r:id="rId8"/>
-    <p:sldId id="335" r:id="rId9"/>
-    <p:sldId id="303" r:id="rId10"/>
+    <p:sldId id="338" r:id="rId4"/>
+    <p:sldId id="294" r:id="rId5"/>
+    <p:sldId id="333" r:id="rId6"/>
+    <p:sldId id="295" r:id="rId7"/>
+    <p:sldId id="334" r:id="rId8"/>
+    <p:sldId id="337" r:id="rId9"/>
+    <p:sldId id="335" r:id="rId10"/>
+    <p:sldId id="303" r:id="rId11"/>
   </p:sldIdLst>
   <p:sldSz cx="12192000" cy="6858000"/>
   <p:notesSz cx="6858000" cy="9144000"/>
@@ -293,7 +294,7 @@
           <a:p>
             <a:fld id="{3FB245E4-741B-46A9-94D1-0E241DD65ACD}" type="datetimeFigureOut">
               <a:rPr lang="ko-KR" altLang="en-US" smtClean="0"/>
-              <a:t>2025-01-21</a:t>
+              <a:t>2025-01-23</a:t>
             </a:fld>
             <a:endParaRPr lang="ko-KR" altLang="en-US"/>
           </a:p>
@@ -491,7 +492,7 @@
           <a:p>
             <a:fld id="{3FB245E4-741B-46A9-94D1-0E241DD65ACD}" type="datetimeFigureOut">
               <a:rPr lang="ko-KR" altLang="en-US" smtClean="0"/>
-              <a:t>2025-01-21</a:t>
+              <a:t>2025-01-23</a:t>
             </a:fld>
             <a:endParaRPr lang="ko-KR" altLang="en-US"/>
           </a:p>
@@ -699,7 +700,7 @@
           <a:p>
             <a:fld id="{3FB245E4-741B-46A9-94D1-0E241DD65ACD}" type="datetimeFigureOut">
               <a:rPr lang="ko-KR" altLang="en-US" smtClean="0"/>
-              <a:t>2025-01-21</a:t>
+              <a:t>2025-01-23</a:t>
             </a:fld>
             <a:endParaRPr lang="ko-KR" altLang="en-US"/>
           </a:p>
@@ -1212,7 +1213,7 @@
           <a:p>
             <a:fld id="{3FB245E4-741B-46A9-94D1-0E241DD65ACD}" type="datetimeFigureOut">
               <a:rPr lang="ko-KR" altLang="en-US" smtClean="0"/>
-              <a:t>2025-01-21</a:t>
+              <a:t>2025-01-23</a:t>
             </a:fld>
             <a:endParaRPr lang="ko-KR" altLang="en-US"/>
           </a:p>
@@ -1487,7 +1488,7 @@
           <a:p>
             <a:fld id="{3FB245E4-741B-46A9-94D1-0E241DD65ACD}" type="datetimeFigureOut">
               <a:rPr lang="ko-KR" altLang="en-US" smtClean="0"/>
-              <a:t>2025-01-21</a:t>
+              <a:t>2025-01-23</a:t>
             </a:fld>
             <a:endParaRPr lang="ko-KR" altLang="en-US"/>
           </a:p>
@@ -1752,7 +1753,7 @@
           <a:p>
             <a:fld id="{3FB245E4-741B-46A9-94D1-0E241DD65ACD}" type="datetimeFigureOut">
               <a:rPr lang="ko-KR" altLang="en-US" smtClean="0"/>
-              <a:t>2025-01-21</a:t>
+              <a:t>2025-01-23</a:t>
             </a:fld>
             <a:endParaRPr lang="ko-KR" altLang="en-US"/>
           </a:p>
@@ -2164,7 +2165,7 @@
           <a:p>
             <a:fld id="{3FB245E4-741B-46A9-94D1-0E241DD65ACD}" type="datetimeFigureOut">
               <a:rPr lang="ko-KR" altLang="en-US" smtClean="0"/>
-              <a:t>2025-01-21</a:t>
+              <a:t>2025-01-23</a:t>
             </a:fld>
             <a:endParaRPr lang="ko-KR" altLang="en-US"/>
           </a:p>
@@ -2305,7 +2306,7 @@
           <a:p>
             <a:fld id="{3FB245E4-741B-46A9-94D1-0E241DD65ACD}" type="datetimeFigureOut">
               <a:rPr lang="ko-KR" altLang="en-US" smtClean="0"/>
-              <a:t>2025-01-21</a:t>
+              <a:t>2025-01-23</a:t>
             </a:fld>
             <a:endParaRPr lang="ko-KR" altLang="en-US"/>
           </a:p>
@@ -2418,7 +2419,7 @@
           <a:p>
             <a:fld id="{3FB245E4-741B-46A9-94D1-0E241DD65ACD}" type="datetimeFigureOut">
               <a:rPr lang="ko-KR" altLang="en-US" smtClean="0"/>
-              <a:t>2025-01-21</a:t>
+              <a:t>2025-01-23</a:t>
             </a:fld>
             <a:endParaRPr lang="ko-KR" altLang="en-US"/>
           </a:p>
@@ -2729,7 +2730,7 @@
           <a:p>
             <a:fld id="{3FB245E4-741B-46A9-94D1-0E241DD65ACD}" type="datetimeFigureOut">
               <a:rPr lang="ko-KR" altLang="en-US" smtClean="0"/>
-              <a:t>2025-01-21</a:t>
+              <a:t>2025-01-23</a:t>
             </a:fld>
             <a:endParaRPr lang="ko-KR" altLang="en-US"/>
           </a:p>
@@ -3017,7 +3018,7 @@
           <a:p>
             <a:fld id="{3FB245E4-741B-46A9-94D1-0E241DD65ACD}" type="datetimeFigureOut">
               <a:rPr lang="ko-KR" altLang="en-US" smtClean="0"/>
-              <a:t>2025-01-21</a:t>
+              <a:t>2025-01-23</a:t>
             </a:fld>
             <a:endParaRPr lang="ko-KR" altLang="en-US"/>
           </a:p>
@@ -3258,7 +3259,7 @@
           <a:p>
             <a:fld id="{3FB245E4-741B-46A9-94D1-0E241DD65ACD}" type="datetimeFigureOut">
               <a:rPr lang="ko-KR" altLang="en-US" smtClean="0"/>
-              <a:t>2025-01-21</a:t>
+              <a:t>2025-01-23</a:t>
             </a:fld>
             <a:endParaRPr lang="ko-KR" altLang="en-US"/>
           </a:p>
@@ -4144,6 +4145,401 @@
 </p:sld>
 </file>
 
+<file path=ppt/slides/slide10.xml><?xml version="1.0" encoding="utf-8"?>
+<p:sld xmlns:a="http://schemas.openxmlformats.org/drawingml/2006/main" xmlns:r="http://schemas.openxmlformats.org/officeDocument/2006/relationships" xmlns:p="http://schemas.openxmlformats.org/presentationml/2006/main">
+  <p:cSld>
+    <p:spTree>
+      <p:nvGrpSpPr>
+        <p:cNvPr id="1" name=""/>
+        <p:cNvGrpSpPr/>
+        <p:nvPr/>
+      </p:nvGrpSpPr>
+      <p:grpSpPr>
+        <a:xfrm>
+          <a:off x="0" y="0"/>
+          <a:ext cx="0" cy="0"/>
+          <a:chOff x="0" y="0"/>
+          <a:chExt cx="0" cy="0"/>
+        </a:xfrm>
+      </p:grpSpPr>
+      <p:sp>
+        <p:nvSpPr>
+          <p:cNvPr id="11" name="TextBox 10">
+            <a:extLst>
+              <a:ext uri="{FF2B5EF4-FFF2-40B4-BE49-F238E27FC236}">
+                <a16:creationId xmlns:a16="http://schemas.microsoft.com/office/drawing/2014/main" id="{6C8DE4B1-0C6D-133C-80D8-F6968CBF60AC}"/>
+              </a:ext>
+            </a:extLst>
+          </p:cNvPr>
+          <p:cNvSpPr txBox="1"/>
+          <p:nvPr/>
+        </p:nvSpPr>
+        <p:spPr>
+          <a:xfrm>
+            <a:off x="1461721" y="585057"/>
+            <a:ext cx="4862879" cy="523220"/>
+          </a:xfrm>
+          <a:prstGeom prst="rect">
+            <a:avLst/>
+          </a:prstGeom>
+          <a:noFill/>
+        </p:spPr>
+        <p:txBody>
+          <a:bodyPr wrap="square">
+            <a:spAutoFit/>
+          </a:bodyPr>
+          <a:lstStyle/>
+          <a:p>
+            <a:pPr>
+              <a:defRPr/>
+            </a:pPr>
+            <a:r>
+              <a:rPr lang="ko-KR" altLang="en-US" sz="2800" b="1" dirty="0">
+                <a:ln>
+                  <a:solidFill>
+                    <a:schemeClr val="accent1">
+                      <a:shade val="15000"/>
+                      <a:alpha val="0"/>
+                    </a:schemeClr>
+                  </a:solidFill>
+                </a:ln>
+                <a:solidFill>
+                  <a:schemeClr val="tx1">
+                    <a:lumMod val="75000"/>
+                    <a:lumOff val="25000"/>
+                  </a:schemeClr>
+                </a:solidFill>
+                <a:latin typeface="맑은 고딕" panose="020B0503020000020004" pitchFamily="50" charset="-127"/>
+                <a:ea typeface="맑은 고딕" panose="020B0503020000020004" pitchFamily="50" charset="-127"/>
+              </a:rPr>
+              <a:t>자체 평가 의견</a:t>
+            </a:r>
+          </a:p>
+        </p:txBody>
+      </p:sp>
+      <p:sp>
+        <p:nvSpPr>
+          <p:cNvPr id="12" name="사각형: 둥근 모서리 11">
+            <a:extLst>
+              <a:ext uri="{FF2B5EF4-FFF2-40B4-BE49-F238E27FC236}">
+                <a16:creationId xmlns:a16="http://schemas.microsoft.com/office/drawing/2014/main" id="{3439B1C8-3528-F911-5457-BF5ED692D7CF}"/>
+              </a:ext>
+            </a:extLst>
+          </p:cNvPr>
+          <p:cNvSpPr/>
+          <p:nvPr/>
+        </p:nvSpPr>
+        <p:spPr>
+          <a:xfrm>
+            <a:off x="470276" y="2049734"/>
+            <a:ext cx="5363941" cy="1748490"/>
+          </a:xfrm>
+          <a:prstGeom prst="roundRect">
+            <a:avLst>
+              <a:gd name="adj" fmla="val 6897"/>
+            </a:avLst>
+          </a:prstGeom>
+          <a:ln/>
+        </p:spPr>
+        <p:style>
+          <a:lnRef idx="2">
+            <a:schemeClr val="dk1"/>
+          </a:lnRef>
+          <a:fillRef idx="1">
+            <a:schemeClr val="lt1"/>
+          </a:fillRef>
+          <a:effectRef idx="0">
+            <a:schemeClr val="dk1"/>
+          </a:effectRef>
+          <a:fontRef idx="minor">
+            <a:schemeClr val="dk1"/>
+          </a:fontRef>
+        </p:style>
+        <p:txBody>
+          <a:bodyPr rtlCol="0" anchor="ctr"/>
+          <a:lstStyle/>
+          <a:p>
+            <a:pPr algn="ctr"/>
+            <a:r>
+              <a:rPr lang="en-US" altLang="ko-KR" sz="1400" dirty="0"/>
+              <a:t>6.0/10</a:t>
+            </a:r>
+          </a:p>
+          <a:p>
+            <a:pPr algn="ctr"/>
+            <a:endParaRPr lang="en-US" altLang="ko-KR" sz="1400" dirty="0"/>
+          </a:p>
+          <a:p>
+            <a:pPr algn="ctr"/>
+            <a:r>
+              <a:rPr lang="ko-KR" altLang="en-US" sz="1400" dirty="0"/>
+              <a:t>사전에 기획한 기능구현은 완료했으나</a:t>
+            </a:r>
+            <a:endParaRPr lang="en-US" altLang="ko-KR" sz="1400" dirty="0"/>
+          </a:p>
+          <a:p>
+            <a:pPr algn="ctr"/>
+            <a:r>
+              <a:rPr lang="ko-KR" altLang="en-US" sz="1400" dirty="0"/>
+              <a:t>스타일 적용</a:t>
+            </a:r>
+            <a:r>
+              <a:rPr lang="en-US" altLang="ko-KR" sz="1400" dirty="0"/>
+              <a:t>, </a:t>
+            </a:r>
+            <a:r>
+              <a:rPr lang="ko-KR" altLang="en-US" sz="1400" dirty="0"/>
+              <a:t>테스트</a:t>
+            </a:r>
+            <a:r>
+              <a:rPr lang="en-US" altLang="ko-KR" sz="1400" dirty="0"/>
+              <a:t>, </a:t>
+            </a:r>
+            <a:r>
+              <a:rPr lang="ko-KR" altLang="en-US" sz="1400" dirty="0"/>
+              <a:t>디버그</a:t>
+            </a:r>
+            <a:r>
+              <a:rPr lang="en-US" altLang="ko-KR" sz="1400" dirty="0"/>
+              <a:t>, </a:t>
+            </a:r>
+            <a:r>
+              <a:rPr lang="ko-KR" altLang="en-US" sz="1400" dirty="0"/>
+              <a:t>예외 처리</a:t>
+            </a:r>
+            <a:r>
+              <a:rPr lang="en-US" altLang="ko-KR" sz="1400" dirty="0"/>
+              <a:t>, </a:t>
+            </a:r>
+            <a:r>
+              <a:rPr lang="ko-KR" altLang="en-US" sz="1400" dirty="0"/>
+              <a:t>유효성 검사가 미흡했다</a:t>
+            </a:r>
+          </a:p>
+        </p:txBody>
+      </p:sp>
+      <p:sp>
+        <p:nvSpPr>
+          <p:cNvPr id="15" name="사각형: 둥근 모서리 14">
+            <a:extLst>
+              <a:ext uri="{FF2B5EF4-FFF2-40B4-BE49-F238E27FC236}">
+                <a16:creationId xmlns:a16="http://schemas.microsoft.com/office/drawing/2014/main" id="{FBDEF34A-4B05-D616-FE0F-53CE76D5D25D}"/>
+              </a:ext>
+            </a:extLst>
+          </p:cNvPr>
+          <p:cNvSpPr/>
+          <p:nvPr/>
+        </p:nvSpPr>
+        <p:spPr>
+          <a:xfrm>
+            <a:off x="470276" y="4143648"/>
+            <a:ext cx="5363941" cy="1748490"/>
+          </a:xfrm>
+          <a:prstGeom prst="roundRect">
+            <a:avLst>
+              <a:gd name="adj" fmla="val 6897"/>
+            </a:avLst>
+          </a:prstGeom>
+          <a:ln/>
+        </p:spPr>
+        <p:style>
+          <a:lnRef idx="2">
+            <a:schemeClr val="dk1"/>
+          </a:lnRef>
+          <a:fillRef idx="1">
+            <a:schemeClr val="lt1"/>
+          </a:fillRef>
+          <a:effectRef idx="0">
+            <a:schemeClr val="dk1"/>
+          </a:effectRef>
+          <a:fontRef idx="minor">
+            <a:schemeClr val="dk1"/>
+          </a:fontRef>
+        </p:style>
+        <p:txBody>
+          <a:bodyPr rtlCol="0" anchor="ctr"/>
+          <a:lstStyle/>
+          <a:p>
+            <a:pPr algn="ctr"/>
+            <a:r>
+              <a:rPr lang="ko-KR" altLang="en-US" sz="1400" dirty="0"/>
+              <a:t>기업페이지의 </a:t>
+            </a:r>
+            <a:r>
+              <a:rPr lang="en-US" altLang="ko-KR" sz="1400" dirty="0"/>
+              <a:t>UI </a:t>
+            </a:r>
+            <a:r>
+              <a:rPr lang="ko-KR" altLang="en-US" sz="1400" dirty="0"/>
+              <a:t>를 수정하고 유효성 검사와 예외 처리가 필요</a:t>
+            </a:r>
+          </a:p>
+        </p:txBody>
+      </p:sp>
+      <p:sp>
+        <p:nvSpPr>
+          <p:cNvPr id="17" name="사각형: 둥근 모서리 16">
+            <a:extLst>
+              <a:ext uri="{FF2B5EF4-FFF2-40B4-BE49-F238E27FC236}">
+                <a16:creationId xmlns:a16="http://schemas.microsoft.com/office/drawing/2014/main" id="{E521B70D-67A3-8111-1F80-FCA0E1856D70}"/>
+              </a:ext>
+            </a:extLst>
+          </p:cNvPr>
+          <p:cNvSpPr/>
+          <p:nvPr/>
+        </p:nvSpPr>
+        <p:spPr>
+          <a:xfrm>
+            <a:off x="6324600" y="4143648"/>
+            <a:ext cx="5363941" cy="1748490"/>
+          </a:xfrm>
+          <a:prstGeom prst="roundRect">
+            <a:avLst>
+              <a:gd name="adj" fmla="val 6897"/>
+            </a:avLst>
+          </a:prstGeom>
+          <a:ln/>
+        </p:spPr>
+        <p:style>
+          <a:lnRef idx="2">
+            <a:schemeClr val="dk1"/>
+          </a:lnRef>
+          <a:fillRef idx="1">
+            <a:schemeClr val="lt1"/>
+          </a:fillRef>
+          <a:effectRef idx="0">
+            <a:schemeClr val="dk1"/>
+          </a:effectRef>
+          <a:fontRef idx="minor">
+            <a:schemeClr val="dk1"/>
+          </a:fontRef>
+        </p:style>
+        <p:txBody>
+          <a:bodyPr rtlCol="0" anchor="ctr"/>
+          <a:lstStyle/>
+          <a:p>
+            <a:pPr algn="ctr"/>
+            <a:r>
+              <a:rPr lang="ko-KR" altLang="en-US" sz="1400" dirty="0"/>
+              <a:t>사전기획 팀원 간의 의사소통 일정 관리의 중요성을 배웠습니다</a:t>
+            </a:r>
+            <a:r>
+              <a:rPr lang="en-US" altLang="ko-KR" sz="1400" dirty="0"/>
+              <a:t>.</a:t>
+            </a:r>
+          </a:p>
+          <a:p>
+            <a:pPr algn="ctr"/>
+            <a:endParaRPr lang="ko-KR" altLang="en-US" sz="1400" dirty="0"/>
+          </a:p>
+        </p:txBody>
+      </p:sp>
+      <p:sp>
+        <p:nvSpPr>
+          <p:cNvPr id="14" name="사각형: 둥근 모서리 13">
+            <a:extLst>
+              <a:ext uri="{FF2B5EF4-FFF2-40B4-BE49-F238E27FC236}">
+                <a16:creationId xmlns:a16="http://schemas.microsoft.com/office/drawing/2014/main" id="{1E025A8C-5815-C97A-B3AE-8F5FE071600F}"/>
+              </a:ext>
+            </a:extLst>
+          </p:cNvPr>
+          <p:cNvSpPr/>
+          <p:nvPr/>
+        </p:nvSpPr>
+        <p:spPr>
+          <a:xfrm>
+            <a:off x="6324600" y="2060848"/>
+            <a:ext cx="5363941" cy="1748490"/>
+          </a:xfrm>
+          <a:prstGeom prst="roundRect">
+            <a:avLst>
+              <a:gd name="adj" fmla="val 6897"/>
+            </a:avLst>
+          </a:prstGeom>
+          <a:ln/>
+        </p:spPr>
+        <p:style>
+          <a:lnRef idx="2">
+            <a:schemeClr val="dk1"/>
+          </a:lnRef>
+          <a:fillRef idx="1">
+            <a:schemeClr val="lt1"/>
+          </a:fillRef>
+          <a:effectRef idx="0">
+            <a:schemeClr val="dk1"/>
+          </a:effectRef>
+          <a:fontRef idx="minor">
+            <a:schemeClr val="dk1"/>
+          </a:fontRef>
+        </p:style>
+        <p:txBody>
+          <a:bodyPr rtlCol="0" anchor="ctr"/>
+          <a:lstStyle/>
+          <a:p>
+            <a:pPr algn="ctr"/>
+            <a:r>
+              <a:rPr lang="ko-KR" altLang="en-US" sz="1400" dirty="0"/>
+              <a:t>잘한 점</a:t>
+            </a:r>
+            <a:r>
+              <a:rPr lang="en-US" altLang="ko-KR" sz="1400" dirty="0"/>
+              <a:t>:</a:t>
+            </a:r>
+          </a:p>
+          <a:p>
+            <a:pPr algn="ctr"/>
+            <a:r>
+              <a:rPr lang="ko-KR" altLang="en-US" sz="1400" dirty="0"/>
+              <a:t>각자 맡은 작업을 제대로 수행했다</a:t>
+            </a:r>
+            <a:endParaRPr lang="en-US" altLang="ko-KR" sz="1400" dirty="0"/>
+          </a:p>
+          <a:p>
+            <a:pPr algn="ctr"/>
+            <a:endParaRPr lang="en-US" altLang="ko-KR" sz="1400" dirty="0"/>
+          </a:p>
+          <a:p>
+            <a:pPr algn="ctr"/>
+            <a:r>
+              <a:rPr lang="ko-KR" altLang="en-US" sz="1400" dirty="0"/>
+              <a:t>아쉬운 점</a:t>
+            </a:r>
+            <a:r>
+              <a:rPr lang="en-US" altLang="ko-KR" sz="1400" dirty="0"/>
+              <a:t>:</a:t>
+            </a:r>
+          </a:p>
+          <a:p>
+            <a:pPr algn="ctr"/>
+            <a:r>
+              <a:rPr lang="ko-KR" altLang="en-US" sz="1400" dirty="0"/>
+              <a:t>팀원간 의사소통이 부족했다</a:t>
+            </a:r>
+            <a:endParaRPr lang="en-US" altLang="ko-KR" sz="1400" dirty="0"/>
+          </a:p>
+          <a:p>
+            <a:pPr algn="ctr"/>
+            <a:r>
+              <a:rPr lang="ko-KR" altLang="en-US" sz="1400" dirty="0"/>
+              <a:t>팀장의 지휘가 많이 부족했다</a:t>
+            </a:r>
+            <a:endParaRPr lang="en-US" altLang="ko-KR" sz="1400" dirty="0"/>
+          </a:p>
+        </p:txBody>
+      </p:sp>
+    </p:spTree>
+    <p:extLst>
+      <p:ext uri="{BB962C8B-B14F-4D97-AF65-F5344CB8AC3E}">
+        <p14:creationId xmlns:p14="http://schemas.microsoft.com/office/powerpoint/2010/main" val="4097756570"/>
+      </p:ext>
+    </p:extLst>
+  </p:cSld>
+  <p:clrMapOvr>
+    <a:masterClrMapping/>
+  </p:clrMapOvr>
+</p:sld>
+</file>
+
 <file path=ppt/slides/slide2.xml><?xml version="1.0" encoding="utf-8"?>
 <p:sld xmlns:a="http://schemas.openxmlformats.org/drawingml/2006/main" xmlns:r="http://schemas.openxmlformats.org/officeDocument/2006/relationships" xmlns:p="http://schemas.openxmlformats.org/presentationml/2006/main">
   <p:cSld>
@@ -4970,6 +5366,149 @@
   <p:cSld>
     <p:spTree>
       <p:nvGrpSpPr>
+        <p:cNvPr id="1" name="">
+          <a:extLst>
+            <a:ext uri="{FF2B5EF4-FFF2-40B4-BE49-F238E27FC236}">
+              <a16:creationId xmlns:a16="http://schemas.microsoft.com/office/drawing/2014/main" id="{BEA65BF7-B1CF-EDDA-401B-0C0ED7E1612E}"/>
+            </a:ext>
+          </a:extLst>
+        </p:cNvPr>
+        <p:cNvGrpSpPr/>
+        <p:nvPr/>
+      </p:nvGrpSpPr>
+      <p:grpSpPr>
+        <a:xfrm>
+          <a:off x="0" y="0"/>
+          <a:ext cx="0" cy="0"/>
+          <a:chOff x="0" y="0"/>
+          <a:chExt cx="0" cy="0"/>
+        </a:xfrm>
+      </p:grpSpPr>
+      <p:sp>
+        <p:nvSpPr>
+          <p:cNvPr id="23" name="TextBox 22">
+            <a:extLst>
+              <a:ext uri="{FF2B5EF4-FFF2-40B4-BE49-F238E27FC236}">
+                <a16:creationId xmlns:a16="http://schemas.microsoft.com/office/drawing/2014/main" id="{C07AECBB-1D41-04E6-38A1-47417F8F8DE0}"/>
+              </a:ext>
+            </a:extLst>
+          </p:cNvPr>
+          <p:cNvSpPr txBox="1"/>
+          <p:nvPr/>
+        </p:nvSpPr>
+        <p:spPr>
+          <a:xfrm>
+            <a:off x="696370" y="421482"/>
+            <a:ext cx="4862879" cy="523220"/>
+          </a:xfrm>
+          <a:prstGeom prst="rect">
+            <a:avLst/>
+          </a:prstGeom>
+          <a:noFill/>
+        </p:spPr>
+        <p:txBody>
+          <a:bodyPr wrap="square">
+            <a:spAutoFit/>
+          </a:bodyPr>
+          <a:lstStyle/>
+          <a:p>
+            <a:pPr>
+              <a:defRPr/>
+            </a:pPr>
+            <a:r>
+              <a:rPr lang="ko-KR" altLang="en-US" sz="2800" b="1" dirty="0">
+                <a:ln>
+                  <a:solidFill>
+                    <a:schemeClr val="accent1">
+                      <a:shade val="15000"/>
+                      <a:alpha val="0"/>
+                    </a:schemeClr>
+                  </a:solidFill>
+                </a:ln>
+                <a:solidFill>
+                  <a:schemeClr val="tx1">
+                    <a:lumMod val="75000"/>
+                    <a:lumOff val="25000"/>
+                  </a:schemeClr>
+                </a:solidFill>
+                <a:latin typeface="맑은 고딕" panose="020B0503020000020004" pitchFamily="50" charset="-127"/>
+                <a:ea typeface="맑은 고딕" panose="020B0503020000020004" pitchFamily="50" charset="-127"/>
+              </a:rPr>
+              <a:t>프로젝트 개요</a:t>
+            </a:r>
+          </a:p>
+        </p:txBody>
+      </p:sp>
+      <p:sp>
+        <p:nvSpPr>
+          <p:cNvPr id="2" name="TextBox 1">
+            <a:extLst>
+              <a:ext uri="{FF2B5EF4-FFF2-40B4-BE49-F238E27FC236}">
+                <a16:creationId xmlns:a16="http://schemas.microsoft.com/office/drawing/2014/main" id="{4120EAA7-1C1F-E7DD-1792-9801A221532F}"/>
+              </a:ext>
+            </a:extLst>
+          </p:cNvPr>
+          <p:cNvSpPr txBox="1"/>
+          <p:nvPr/>
+        </p:nvSpPr>
+        <p:spPr>
+          <a:xfrm>
+            <a:off x="700932" y="1160748"/>
+            <a:ext cx="11227716" cy="1200329"/>
+          </a:xfrm>
+          <a:prstGeom prst="rect">
+            <a:avLst/>
+          </a:prstGeom>
+          <a:noFill/>
+        </p:spPr>
+        <p:txBody>
+          <a:bodyPr wrap="square" rtlCol="0">
+            <a:spAutoFit/>
+          </a:bodyPr>
+          <a:lstStyle/>
+          <a:p>
+            <a:r>
+              <a:rPr lang="ko-KR" altLang="en-US" dirty="0"/>
+              <a:t>구직자는 원하는 기업의 공고문을 검색하고 지원할 수 있다</a:t>
+            </a:r>
+            <a:endParaRPr lang="en-US" altLang="ko-KR" dirty="0"/>
+          </a:p>
+          <a:p>
+            <a:r>
+              <a:rPr lang="ko-KR" altLang="en-US" dirty="0"/>
+              <a:t>기업은 적절한 인재를 검색하고 입사를 제안할 수 있다</a:t>
+            </a:r>
+            <a:endParaRPr lang="en-US" altLang="ko-KR" dirty="0"/>
+          </a:p>
+          <a:p>
+            <a:endParaRPr lang="en-US" altLang="ko-KR" dirty="0"/>
+          </a:p>
+          <a:p>
+            <a:r>
+              <a:rPr lang="ko-KR" altLang="en-US" dirty="0"/>
+              <a:t>그러한 기능을 구현하고 실행 가능한 웹 앱으로써 개발한다</a:t>
+            </a:r>
+          </a:p>
+        </p:txBody>
+      </p:sp>
+    </p:spTree>
+    <p:extLst>
+      <p:ext uri="{BB962C8B-B14F-4D97-AF65-F5344CB8AC3E}">
+        <p14:creationId xmlns:p14="http://schemas.microsoft.com/office/powerpoint/2010/main" val="1055979879"/>
+      </p:ext>
+    </p:extLst>
+  </p:cSld>
+  <p:clrMapOvr>
+    <a:masterClrMapping/>
+  </p:clrMapOvr>
+</p:sld>
+</file>
+
+<file path=ppt/slides/slide4.xml><?xml version="1.0" encoding="utf-8"?>
+<p:sld xmlns:a="http://schemas.openxmlformats.org/drawingml/2006/main" xmlns:r="http://schemas.openxmlformats.org/officeDocument/2006/relationships" xmlns:p="http://schemas.openxmlformats.org/presentationml/2006/main">
+  <p:cSld>
+    <p:spTree>
+      <p:nvGrpSpPr>
         <p:cNvPr id="1" name=""/>
         <p:cNvGrpSpPr/>
         <p:nvPr/>
@@ -4996,7 +5535,7 @@
         </p:nvSpPr>
         <p:spPr>
           <a:xfrm>
-            <a:off x="1461721" y="585057"/>
+            <a:off x="696370" y="421482"/>
             <a:ext cx="4862879" cy="523220"/>
           </a:xfrm>
           <a:prstGeom prst="rect">
@@ -6447,7 +6986,7 @@
 </p:sld>
 </file>
 
-<file path=ppt/slides/slide4.xml><?xml version="1.0" encoding="utf-8"?>
+<file path=ppt/slides/slide5.xml><?xml version="1.0" encoding="utf-8"?>
 <p:sld xmlns:a="http://schemas.openxmlformats.org/drawingml/2006/main" xmlns:r="http://schemas.openxmlformats.org/officeDocument/2006/relationships" xmlns:p="http://schemas.openxmlformats.org/presentationml/2006/main">
   <p:cSld>
     <p:spTree>
@@ -8538,7 +9077,7 @@
 </p:sld>
 </file>
 
-<file path=ppt/slides/slide5.xml><?xml version="1.0" encoding="utf-8"?>
+<file path=ppt/slides/slide6.xml><?xml version="1.0" encoding="utf-8"?>
 <p:sld xmlns:a="http://schemas.openxmlformats.org/drawingml/2006/main" xmlns:r="http://schemas.openxmlformats.org/officeDocument/2006/relationships" xmlns:p="http://schemas.openxmlformats.org/presentationml/2006/main">
   <p:cSld>
     <p:spTree>
@@ -12541,7 +13080,7 @@
 </p:sld>
 </file>
 
-<file path=ppt/slides/slide6.xml><?xml version="1.0" encoding="utf-8"?>
+<file path=ppt/slides/slide7.xml><?xml version="1.0" encoding="utf-8"?>
 <p:sld xmlns:a="http://schemas.openxmlformats.org/drawingml/2006/main" xmlns:r="http://schemas.openxmlformats.org/officeDocument/2006/relationships" xmlns:p="http://schemas.openxmlformats.org/presentationml/2006/main">
   <p:cSld>
     <p:spTree>
@@ -14885,7 +15424,7 @@
 </p:sld>
 </file>
 
-<file path=ppt/slides/slide7.xml><?xml version="1.0" encoding="utf-8"?>
+<file path=ppt/slides/slide8.xml><?xml version="1.0" encoding="utf-8"?>
 <p:sld xmlns:a="http://schemas.openxmlformats.org/drawingml/2006/main" xmlns:r="http://schemas.openxmlformats.org/officeDocument/2006/relationships" xmlns:p="http://schemas.openxmlformats.org/presentationml/2006/main">
   <p:cSld>
     <p:spTree>
@@ -15044,7 +15583,7 @@
 </p:sld>
 </file>
 
-<file path=ppt/slides/slide8.xml><?xml version="1.0" encoding="utf-8"?>
+<file path=ppt/slides/slide9.xml><?xml version="1.0" encoding="utf-8"?>
 <p:sld xmlns:a="http://schemas.openxmlformats.org/drawingml/2006/main" xmlns:r="http://schemas.openxmlformats.org/officeDocument/2006/relationships" xmlns:p="http://schemas.openxmlformats.org/presentationml/2006/main">
   <p:cSld>
     <p:spTree>
@@ -19277,401 +19816,6 @@
 </p:sld>
 </file>
 
-<file path=ppt/slides/slide9.xml><?xml version="1.0" encoding="utf-8"?>
-<p:sld xmlns:a="http://schemas.openxmlformats.org/drawingml/2006/main" xmlns:r="http://schemas.openxmlformats.org/officeDocument/2006/relationships" xmlns:p="http://schemas.openxmlformats.org/presentationml/2006/main">
-  <p:cSld>
-    <p:spTree>
-      <p:nvGrpSpPr>
-        <p:cNvPr id="1" name=""/>
-        <p:cNvGrpSpPr/>
-        <p:nvPr/>
-      </p:nvGrpSpPr>
-      <p:grpSpPr>
-        <a:xfrm>
-          <a:off x="0" y="0"/>
-          <a:ext cx="0" cy="0"/>
-          <a:chOff x="0" y="0"/>
-          <a:chExt cx="0" cy="0"/>
-        </a:xfrm>
-      </p:grpSpPr>
-      <p:sp>
-        <p:nvSpPr>
-          <p:cNvPr id="11" name="TextBox 10">
-            <a:extLst>
-              <a:ext uri="{FF2B5EF4-FFF2-40B4-BE49-F238E27FC236}">
-                <a16:creationId xmlns:a16="http://schemas.microsoft.com/office/drawing/2014/main" id="{6C8DE4B1-0C6D-133C-80D8-F6968CBF60AC}"/>
-              </a:ext>
-            </a:extLst>
-          </p:cNvPr>
-          <p:cNvSpPr txBox="1"/>
-          <p:nvPr/>
-        </p:nvSpPr>
-        <p:spPr>
-          <a:xfrm>
-            <a:off x="1461721" y="585057"/>
-            <a:ext cx="4862879" cy="523220"/>
-          </a:xfrm>
-          <a:prstGeom prst="rect">
-            <a:avLst/>
-          </a:prstGeom>
-          <a:noFill/>
-        </p:spPr>
-        <p:txBody>
-          <a:bodyPr wrap="square">
-            <a:spAutoFit/>
-          </a:bodyPr>
-          <a:lstStyle/>
-          <a:p>
-            <a:pPr>
-              <a:defRPr/>
-            </a:pPr>
-            <a:r>
-              <a:rPr lang="ko-KR" altLang="en-US" sz="2800" b="1" dirty="0">
-                <a:ln>
-                  <a:solidFill>
-                    <a:schemeClr val="accent1">
-                      <a:shade val="15000"/>
-                      <a:alpha val="0"/>
-                    </a:schemeClr>
-                  </a:solidFill>
-                </a:ln>
-                <a:solidFill>
-                  <a:schemeClr val="tx1">
-                    <a:lumMod val="75000"/>
-                    <a:lumOff val="25000"/>
-                  </a:schemeClr>
-                </a:solidFill>
-                <a:latin typeface="맑은 고딕" panose="020B0503020000020004" pitchFamily="50" charset="-127"/>
-                <a:ea typeface="맑은 고딕" panose="020B0503020000020004" pitchFamily="50" charset="-127"/>
-              </a:rPr>
-              <a:t>자체 평가 의견</a:t>
-            </a:r>
-          </a:p>
-        </p:txBody>
-      </p:sp>
-      <p:sp>
-        <p:nvSpPr>
-          <p:cNvPr id="12" name="사각형: 둥근 모서리 11">
-            <a:extLst>
-              <a:ext uri="{FF2B5EF4-FFF2-40B4-BE49-F238E27FC236}">
-                <a16:creationId xmlns:a16="http://schemas.microsoft.com/office/drawing/2014/main" id="{3439B1C8-3528-F911-5457-BF5ED692D7CF}"/>
-              </a:ext>
-            </a:extLst>
-          </p:cNvPr>
-          <p:cNvSpPr/>
-          <p:nvPr/>
-        </p:nvSpPr>
-        <p:spPr>
-          <a:xfrm>
-            <a:off x="470276" y="2049734"/>
-            <a:ext cx="5363941" cy="1748490"/>
-          </a:xfrm>
-          <a:prstGeom prst="roundRect">
-            <a:avLst>
-              <a:gd name="adj" fmla="val 6897"/>
-            </a:avLst>
-          </a:prstGeom>
-          <a:ln/>
-        </p:spPr>
-        <p:style>
-          <a:lnRef idx="2">
-            <a:schemeClr val="dk1"/>
-          </a:lnRef>
-          <a:fillRef idx="1">
-            <a:schemeClr val="lt1"/>
-          </a:fillRef>
-          <a:effectRef idx="0">
-            <a:schemeClr val="dk1"/>
-          </a:effectRef>
-          <a:fontRef idx="minor">
-            <a:schemeClr val="dk1"/>
-          </a:fontRef>
-        </p:style>
-        <p:txBody>
-          <a:bodyPr rtlCol="0" anchor="ctr"/>
-          <a:lstStyle/>
-          <a:p>
-            <a:pPr algn="ctr"/>
-            <a:r>
-              <a:rPr lang="en-US" altLang="ko-KR" sz="1400" dirty="0"/>
-              <a:t>6.0/10</a:t>
-            </a:r>
-          </a:p>
-          <a:p>
-            <a:pPr algn="ctr"/>
-            <a:endParaRPr lang="en-US" altLang="ko-KR" sz="1400" dirty="0"/>
-          </a:p>
-          <a:p>
-            <a:pPr algn="ctr"/>
-            <a:r>
-              <a:rPr lang="ko-KR" altLang="en-US" sz="1400" dirty="0"/>
-              <a:t>사전에 기획한 기능구현은 완료했으나</a:t>
-            </a:r>
-            <a:endParaRPr lang="en-US" altLang="ko-KR" sz="1400" dirty="0"/>
-          </a:p>
-          <a:p>
-            <a:pPr algn="ctr"/>
-            <a:r>
-              <a:rPr lang="ko-KR" altLang="en-US" sz="1400" dirty="0"/>
-              <a:t>스타일 적용</a:t>
-            </a:r>
-            <a:r>
-              <a:rPr lang="en-US" altLang="ko-KR" sz="1400" dirty="0"/>
-              <a:t>, </a:t>
-            </a:r>
-            <a:r>
-              <a:rPr lang="ko-KR" altLang="en-US" sz="1400" dirty="0"/>
-              <a:t>테스트</a:t>
-            </a:r>
-            <a:r>
-              <a:rPr lang="en-US" altLang="ko-KR" sz="1400" dirty="0"/>
-              <a:t>, </a:t>
-            </a:r>
-            <a:r>
-              <a:rPr lang="ko-KR" altLang="en-US" sz="1400" dirty="0"/>
-              <a:t>디버그</a:t>
-            </a:r>
-            <a:r>
-              <a:rPr lang="en-US" altLang="ko-KR" sz="1400" dirty="0"/>
-              <a:t>, </a:t>
-            </a:r>
-            <a:r>
-              <a:rPr lang="ko-KR" altLang="en-US" sz="1400" dirty="0"/>
-              <a:t>예외 처리</a:t>
-            </a:r>
-            <a:r>
-              <a:rPr lang="en-US" altLang="ko-KR" sz="1400" dirty="0"/>
-              <a:t>, </a:t>
-            </a:r>
-            <a:r>
-              <a:rPr lang="ko-KR" altLang="en-US" sz="1400" dirty="0"/>
-              <a:t>유효성 검사가 미흡했다</a:t>
-            </a:r>
-          </a:p>
-        </p:txBody>
-      </p:sp>
-      <p:sp>
-        <p:nvSpPr>
-          <p:cNvPr id="15" name="사각형: 둥근 모서리 14">
-            <a:extLst>
-              <a:ext uri="{FF2B5EF4-FFF2-40B4-BE49-F238E27FC236}">
-                <a16:creationId xmlns:a16="http://schemas.microsoft.com/office/drawing/2014/main" id="{FBDEF34A-4B05-D616-FE0F-53CE76D5D25D}"/>
-              </a:ext>
-            </a:extLst>
-          </p:cNvPr>
-          <p:cNvSpPr/>
-          <p:nvPr/>
-        </p:nvSpPr>
-        <p:spPr>
-          <a:xfrm>
-            <a:off x="470276" y="4143648"/>
-            <a:ext cx="5363941" cy="1748490"/>
-          </a:xfrm>
-          <a:prstGeom prst="roundRect">
-            <a:avLst>
-              <a:gd name="adj" fmla="val 6897"/>
-            </a:avLst>
-          </a:prstGeom>
-          <a:ln/>
-        </p:spPr>
-        <p:style>
-          <a:lnRef idx="2">
-            <a:schemeClr val="dk1"/>
-          </a:lnRef>
-          <a:fillRef idx="1">
-            <a:schemeClr val="lt1"/>
-          </a:fillRef>
-          <a:effectRef idx="0">
-            <a:schemeClr val="dk1"/>
-          </a:effectRef>
-          <a:fontRef idx="minor">
-            <a:schemeClr val="dk1"/>
-          </a:fontRef>
-        </p:style>
-        <p:txBody>
-          <a:bodyPr rtlCol="0" anchor="ctr"/>
-          <a:lstStyle/>
-          <a:p>
-            <a:pPr algn="ctr"/>
-            <a:r>
-              <a:rPr lang="ko-KR" altLang="en-US" sz="1400" dirty="0"/>
-              <a:t>기업페이지의 </a:t>
-            </a:r>
-            <a:r>
-              <a:rPr lang="en-US" altLang="ko-KR" sz="1400" dirty="0"/>
-              <a:t>UI </a:t>
-            </a:r>
-            <a:r>
-              <a:rPr lang="ko-KR" altLang="en-US" sz="1400" dirty="0"/>
-              <a:t>를 수정하고 유효성 검사와 예외 처리가 필요</a:t>
-            </a:r>
-          </a:p>
-        </p:txBody>
-      </p:sp>
-      <p:sp>
-        <p:nvSpPr>
-          <p:cNvPr id="17" name="사각형: 둥근 모서리 16">
-            <a:extLst>
-              <a:ext uri="{FF2B5EF4-FFF2-40B4-BE49-F238E27FC236}">
-                <a16:creationId xmlns:a16="http://schemas.microsoft.com/office/drawing/2014/main" id="{E521B70D-67A3-8111-1F80-FCA0E1856D70}"/>
-              </a:ext>
-            </a:extLst>
-          </p:cNvPr>
-          <p:cNvSpPr/>
-          <p:nvPr/>
-        </p:nvSpPr>
-        <p:spPr>
-          <a:xfrm>
-            <a:off x="6324600" y="4143648"/>
-            <a:ext cx="5363941" cy="1748490"/>
-          </a:xfrm>
-          <a:prstGeom prst="roundRect">
-            <a:avLst>
-              <a:gd name="adj" fmla="val 6897"/>
-            </a:avLst>
-          </a:prstGeom>
-          <a:ln/>
-        </p:spPr>
-        <p:style>
-          <a:lnRef idx="2">
-            <a:schemeClr val="dk1"/>
-          </a:lnRef>
-          <a:fillRef idx="1">
-            <a:schemeClr val="lt1"/>
-          </a:fillRef>
-          <a:effectRef idx="0">
-            <a:schemeClr val="dk1"/>
-          </a:effectRef>
-          <a:fontRef idx="minor">
-            <a:schemeClr val="dk1"/>
-          </a:fontRef>
-        </p:style>
-        <p:txBody>
-          <a:bodyPr rtlCol="0" anchor="ctr"/>
-          <a:lstStyle/>
-          <a:p>
-            <a:pPr algn="ctr"/>
-            <a:r>
-              <a:rPr lang="ko-KR" altLang="en-US" sz="1400" dirty="0"/>
-              <a:t>사전기획 팀원 간의 의사소통 일정 관리의 중요성을 배웠습니다</a:t>
-            </a:r>
-            <a:r>
-              <a:rPr lang="en-US" altLang="ko-KR" sz="1400" dirty="0"/>
-              <a:t>.</a:t>
-            </a:r>
-          </a:p>
-          <a:p>
-            <a:pPr algn="ctr"/>
-            <a:endParaRPr lang="ko-KR" altLang="en-US" sz="1400" dirty="0"/>
-          </a:p>
-        </p:txBody>
-      </p:sp>
-      <p:sp>
-        <p:nvSpPr>
-          <p:cNvPr id="14" name="사각형: 둥근 모서리 13">
-            <a:extLst>
-              <a:ext uri="{FF2B5EF4-FFF2-40B4-BE49-F238E27FC236}">
-                <a16:creationId xmlns:a16="http://schemas.microsoft.com/office/drawing/2014/main" id="{1E025A8C-5815-C97A-B3AE-8F5FE071600F}"/>
-              </a:ext>
-            </a:extLst>
-          </p:cNvPr>
-          <p:cNvSpPr/>
-          <p:nvPr/>
-        </p:nvSpPr>
-        <p:spPr>
-          <a:xfrm>
-            <a:off x="6324600" y="2060848"/>
-            <a:ext cx="5363941" cy="1748490"/>
-          </a:xfrm>
-          <a:prstGeom prst="roundRect">
-            <a:avLst>
-              <a:gd name="adj" fmla="val 6897"/>
-            </a:avLst>
-          </a:prstGeom>
-          <a:ln/>
-        </p:spPr>
-        <p:style>
-          <a:lnRef idx="2">
-            <a:schemeClr val="dk1"/>
-          </a:lnRef>
-          <a:fillRef idx="1">
-            <a:schemeClr val="lt1"/>
-          </a:fillRef>
-          <a:effectRef idx="0">
-            <a:schemeClr val="dk1"/>
-          </a:effectRef>
-          <a:fontRef idx="minor">
-            <a:schemeClr val="dk1"/>
-          </a:fontRef>
-        </p:style>
-        <p:txBody>
-          <a:bodyPr rtlCol="0" anchor="ctr"/>
-          <a:lstStyle/>
-          <a:p>
-            <a:pPr algn="ctr"/>
-            <a:r>
-              <a:rPr lang="ko-KR" altLang="en-US" sz="1400" dirty="0"/>
-              <a:t>잘한 점</a:t>
-            </a:r>
-            <a:r>
-              <a:rPr lang="en-US" altLang="ko-KR" sz="1400" dirty="0"/>
-              <a:t>:</a:t>
-            </a:r>
-          </a:p>
-          <a:p>
-            <a:pPr algn="ctr"/>
-            <a:r>
-              <a:rPr lang="ko-KR" altLang="en-US" sz="1400" dirty="0"/>
-              <a:t>각자 맡은 작업을 제대로 수행했다</a:t>
-            </a:r>
-            <a:endParaRPr lang="en-US" altLang="ko-KR" sz="1400" dirty="0"/>
-          </a:p>
-          <a:p>
-            <a:pPr algn="ctr"/>
-            <a:endParaRPr lang="en-US" altLang="ko-KR" sz="1400" dirty="0"/>
-          </a:p>
-          <a:p>
-            <a:pPr algn="ctr"/>
-            <a:r>
-              <a:rPr lang="ko-KR" altLang="en-US" sz="1400" dirty="0"/>
-              <a:t>아쉬운 점</a:t>
-            </a:r>
-            <a:r>
-              <a:rPr lang="en-US" altLang="ko-KR" sz="1400" dirty="0"/>
-              <a:t>:</a:t>
-            </a:r>
-          </a:p>
-          <a:p>
-            <a:pPr algn="ctr"/>
-            <a:r>
-              <a:rPr lang="ko-KR" altLang="en-US" sz="1400" dirty="0"/>
-              <a:t>팀원간 의사소통이 부족했다</a:t>
-            </a:r>
-            <a:endParaRPr lang="en-US" altLang="ko-KR" sz="1400" dirty="0"/>
-          </a:p>
-          <a:p>
-            <a:pPr algn="ctr"/>
-            <a:r>
-              <a:rPr lang="ko-KR" altLang="en-US" sz="1400" dirty="0"/>
-              <a:t>팀장의 지휘가 많이 부족했다</a:t>
-            </a:r>
-            <a:endParaRPr lang="en-US" altLang="ko-KR" sz="1400" dirty="0"/>
-          </a:p>
-        </p:txBody>
-      </p:sp>
-    </p:spTree>
-    <p:extLst>
-      <p:ext uri="{BB962C8B-B14F-4D97-AF65-F5344CB8AC3E}">
-        <p14:creationId xmlns:p14="http://schemas.microsoft.com/office/powerpoint/2010/main" val="4097756570"/>
-      </p:ext>
-    </p:extLst>
-  </p:cSld>
-  <p:clrMapOvr>
-    <a:masterClrMapping/>
-  </p:clrMapOvr>
-</p:sld>
-</file>
-
 <file path=ppt/theme/theme1.xml><?xml version="1.0" encoding="utf-8"?>
 <a:theme xmlns:a="http://schemas.openxmlformats.org/drawingml/2006/main" name="Office 테마">
   <a:themeElements>
